--- a/slides/april6.pptx
+++ b/slides/april6.pptx
@@ -16407,7 +16407,7 @@
           <a:p>
             <a:r>
               <a:rPr lang="en-US" dirty="0"/>
-              <a:t>Why are software engineers paid more than mechanical engineers?  </a:t>
+              <a:t>Why are software engineers paid more than mechanical engineers?</a:t>
             </a:r>
           </a:p>
           <a:p>
